--- a/nlp4j/resources/NLP4J.pptx
+++ b/nlp4j/resources/NLP4J.pptx
@@ -12,8 +12,6 @@
     <p:sldId id="259" r:id="rId6"/>
     <p:sldId id="260" r:id="rId7"/>
     <p:sldId id="261" r:id="rId8"/>
-    <p:sldId id="262" r:id="rId9"/>
-    <p:sldId id="263" r:id="rId10"/>
   </p:sldIdLst>
   <p:sldSz cx="12192000" cy="6858000"/>
   <p:notesSz cx="6858000" cy="9144000"/>
@@ -278,7 +276,7 @@
           <a:p>
             <a:fld id="{CD9668B1-38C5-49C5-8D48-D7F6A6F19079}" type="datetimeFigureOut">
               <a:rPr kumimoji="1" lang="ja-JP" altLang="en-US" smtClean="0"/>
-              <a:t>2019/10/25</a:t>
+              <a:t>2020/5/16</a:t>
             </a:fld>
             <a:endParaRPr kumimoji="1" lang="ja-JP" altLang="en-US"/>
           </a:p>
@@ -508,7 +506,7 @@
           <a:p>
             <a:fld id="{CD9668B1-38C5-49C5-8D48-D7F6A6F19079}" type="datetimeFigureOut">
               <a:rPr kumimoji="1" lang="ja-JP" altLang="en-US" smtClean="0"/>
-              <a:t>2019/10/25</a:t>
+              <a:t>2020/5/16</a:t>
             </a:fld>
             <a:endParaRPr kumimoji="1" lang="ja-JP" altLang="en-US"/>
           </a:p>
@@ -748,7 +746,7 @@
           <a:p>
             <a:fld id="{CD9668B1-38C5-49C5-8D48-D7F6A6F19079}" type="datetimeFigureOut">
               <a:rPr kumimoji="1" lang="ja-JP" altLang="en-US" smtClean="0"/>
-              <a:t>2019/10/25</a:t>
+              <a:t>2020/5/16</a:t>
             </a:fld>
             <a:endParaRPr kumimoji="1" lang="ja-JP" altLang="en-US"/>
           </a:p>
@@ -978,7 +976,7 @@
           <a:p>
             <a:fld id="{CD9668B1-38C5-49C5-8D48-D7F6A6F19079}" type="datetimeFigureOut">
               <a:rPr kumimoji="1" lang="ja-JP" altLang="en-US" smtClean="0"/>
-              <a:t>2019/10/25</a:t>
+              <a:t>2020/5/16</a:t>
             </a:fld>
             <a:endParaRPr kumimoji="1" lang="ja-JP" altLang="en-US"/>
           </a:p>
@@ -1253,7 +1251,7 @@
           <a:p>
             <a:fld id="{CD9668B1-38C5-49C5-8D48-D7F6A6F19079}" type="datetimeFigureOut">
               <a:rPr kumimoji="1" lang="ja-JP" altLang="en-US" smtClean="0"/>
-              <a:t>2019/10/25</a:t>
+              <a:t>2020/5/16</a:t>
             </a:fld>
             <a:endParaRPr kumimoji="1" lang="ja-JP" altLang="en-US"/>
           </a:p>
@@ -1582,7 +1580,7 @@
           <a:p>
             <a:fld id="{CD9668B1-38C5-49C5-8D48-D7F6A6F19079}" type="datetimeFigureOut">
               <a:rPr kumimoji="1" lang="ja-JP" altLang="en-US" smtClean="0"/>
-              <a:t>2019/10/25</a:t>
+              <a:t>2020/5/16</a:t>
             </a:fld>
             <a:endParaRPr kumimoji="1" lang="ja-JP" altLang="en-US"/>
           </a:p>
@@ -2058,7 +2056,7 @@
           <a:p>
             <a:fld id="{CD9668B1-38C5-49C5-8D48-D7F6A6F19079}" type="datetimeFigureOut">
               <a:rPr kumimoji="1" lang="ja-JP" altLang="en-US" smtClean="0"/>
-              <a:t>2019/10/25</a:t>
+              <a:t>2020/5/16</a:t>
             </a:fld>
             <a:endParaRPr kumimoji="1" lang="ja-JP" altLang="en-US"/>
           </a:p>
@@ -2199,7 +2197,7 @@
           <a:p>
             <a:fld id="{CD9668B1-38C5-49C5-8D48-D7F6A6F19079}" type="datetimeFigureOut">
               <a:rPr kumimoji="1" lang="ja-JP" altLang="en-US" smtClean="0"/>
-              <a:t>2019/10/25</a:t>
+              <a:t>2020/5/16</a:t>
             </a:fld>
             <a:endParaRPr kumimoji="1" lang="ja-JP" altLang="en-US"/>
           </a:p>
@@ -2312,7 +2310,7 @@
           <a:p>
             <a:fld id="{CD9668B1-38C5-49C5-8D48-D7F6A6F19079}" type="datetimeFigureOut">
               <a:rPr kumimoji="1" lang="ja-JP" altLang="en-US" smtClean="0"/>
-              <a:t>2019/10/25</a:t>
+              <a:t>2020/5/16</a:t>
             </a:fld>
             <a:endParaRPr kumimoji="1" lang="ja-JP" altLang="en-US"/>
           </a:p>
@@ -2655,7 +2653,7 @@
           <a:p>
             <a:fld id="{CD9668B1-38C5-49C5-8D48-D7F6A6F19079}" type="datetimeFigureOut">
               <a:rPr kumimoji="1" lang="ja-JP" altLang="en-US" smtClean="0"/>
-              <a:t>2019/10/25</a:t>
+              <a:t>2020/5/16</a:t>
             </a:fld>
             <a:endParaRPr kumimoji="1" lang="ja-JP" altLang="en-US"/>
           </a:p>
@@ -2943,7 +2941,7 @@
           <a:p>
             <a:fld id="{CD9668B1-38C5-49C5-8D48-D7F6A6F19079}" type="datetimeFigureOut">
               <a:rPr kumimoji="1" lang="ja-JP" altLang="en-US" smtClean="0"/>
-              <a:t>2019/10/25</a:t>
+              <a:t>2020/5/16</a:t>
             </a:fld>
             <a:endParaRPr kumimoji="1" lang="ja-JP" altLang="en-US"/>
           </a:p>
@@ -3216,7 +3214,7 @@
           <a:p>
             <a:fld id="{CD9668B1-38C5-49C5-8D48-D7F6A6F19079}" type="datetimeFigureOut">
               <a:rPr kumimoji="1" lang="ja-JP" altLang="en-US" smtClean="0"/>
-              <a:t>2019/10/25</a:t>
+              <a:t>2020/5/16</a:t>
             </a:fld>
             <a:endParaRPr kumimoji="1" lang="ja-JP" altLang="en-US"/>
           </a:p>
@@ -4865,126 +4863,6 @@
 </p:sld>
 </file>
 
-<file path=ppt/slides/slide8.xml><?xml version="1.0" encoding="utf-8"?>
-<p:sld xmlns:a="http://schemas.openxmlformats.org/drawingml/2006/main" xmlns:r="http://schemas.openxmlformats.org/officeDocument/2006/relationships" xmlns:p="http://schemas.openxmlformats.org/presentationml/2006/main">
-  <p:cSld>
-    <p:spTree>
-      <p:nvGrpSpPr>
-        <p:cNvPr id="1" name=""/>
-        <p:cNvGrpSpPr/>
-        <p:nvPr/>
-      </p:nvGrpSpPr>
-      <p:grpSpPr>
-        <a:xfrm>
-          <a:off x="0" y="0"/>
-          <a:ext cx="0" cy="0"/>
-          <a:chOff x="0" y="0"/>
-          <a:chExt cx="0" cy="0"/>
-        </a:xfrm>
-      </p:grpSpPr>
-      <p:pic>
-        <p:nvPicPr>
-          <p:cNvPr id="2" name="図 1">
-            <a:extLst>
-              <a:ext uri="{FF2B5EF4-FFF2-40B4-BE49-F238E27FC236}">
-                <a16:creationId xmlns:a16="http://schemas.microsoft.com/office/drawing/2014/main" id="{133F8713-2B61-4F88-91CF-ECA8F24A895A}"/>
-              </a:ext>
-            </a:extLst>
-          </p:cNvPr>
-          <p:cNvPicPr>
-            <a:picLocks noChangeAspect="1"/>
-          </p:cNvPicPr>
-          <p:nvPr/>
-        </p:nvPicPr>
-        <p:blipFill>
-          <a:blip r:embed="rId2"/>
-          <a:stretch>
-            <a:fillRect/>
-          </a:stretch>
-        </p:blipFill>
-        <p:spPr>
-          <a:xfrm>
-            <a:off x="3714750" y="1800225"/>
-            <a:ext cx="4762500" cy="3257550"/>
-          </a:xfrm>
-          <a:prstGeom prst="rect">
-            <a:avLst/>
-          </a:prstGeom>
-        </p:spPr>
-      </p:pic>
-    </p:spTree>
-    <p:extLst>
-      <p:ext uri="{BB962C8B-B14F-4D97-AF65-F5344CB8AC3E}">
-        <p14:creationId xmlns:p14="http://schemas.microsoft.com/office/powerpoint/2010/main" val="2008586144"/>
-      </p:ext>
-    </p:extLst>
-  </p:cSld>
-  <p:clrMapOvr>
-    <a:masterClrMapping/>
-  </p:clrMapOvr>
-</p:sld>
-</file>
-
-<file path=ppt/slides/slide9.xml><?xml version="1.0" encoding="utf-8"?>
-<p:sld xmlns:a="http://schemas.openxmlformats.org/drawingml/2006/main" xmlns:r="http://schemas.openxmlformats.org/officeDocument/2006/relationships" xmlns:p="http://schemas.openxmlformats.org/presentationml/2006/main">
-  <p:cSld>
-    <p:spTree>
-      <p:nvGrpSpPr>
-        <p:cNvPr id="1" name=""/>
-        <p:cNvGrpSpPr/>
-        <p:nvPr/>
-      </p:nvGrpSpPr>
-      <p:grpSpPr>
-        <a:xfrm>
-          <a:off x="0" y="0"/>
-          <a:ext cx="0" cy="0"/>
-          <a:chOff x="0" y="0"/>
-          <a:chExt cx="0" cy="0"/>
-        </a:xfrm>
-      </p:grpSpPr>
-      <p:pic>
-        <p:nvPicPr>
-          <p:cNvPr id="2" name="図 1">
-            <a:extLst>
-              <a:ext uri="{FF2B5EF4-FFF2-40B4-BE49-F238E27FC236}">
-                <a16:creationId xmlns:a16="http://schemas.microsoft.com/office/drawing/2014/main" id="{004170B6-AF46-4D20-95C1-6F636599E08B}"/>
-              </a:ext>
-            </a:extLst>
-          </p:cNvPr>
-          <p:cNvPicPr>
-            <a:picLocks noChangeAspect="1"/>
-          </p:cNvPicPr>
-          <p:nvPr/>
-        </p:nvPicPr>
-        <p:blipFill>
-          <a:blip r:embed="rId2"/>
-          <a:stretch>
-            <a:fillRect/>
-          </a:stretch>
-        </p:blipFill>
-        <p:spPr>
-          <a:xfrm>
-            <a:off x="3133725" y="2205037"/>
-            <a:ext cx="5924550" cy="2447925"/>
-          </a:xfrm>
-          <a:prstGeom prst="rect">
-            <a:avLst/>
-          </a:prstGeom>
-        </p:spPr>
-      </p:pic>
-    </p:spTree>
-    <p:extLst>
-      <p:ext uri="{BB962C8B-B14F-4D97-AF65-F5344CB8AC3E}">
-        <p14:creationId xmlns:p14="http://schemas.microsoft.com/office/powerpoint/2010/main" val="2270894752"/>
-      </p:ext>
-    </p:extLst>
-  </p:cSld>
-  <p:clrMapOvr>
-    <a:masterClrMapping/>
-  </p:clrMapOvr>
-</p:sld>
-</file>
-
 <file path=ppt/theme/theme1.xml><?xml version="1.0" encoding="utf-8"?>
 <a:theme xmlns:a="http://schemas.openxmlformats.org/drawingml/2006/main" name="Office テーマ">
   <a:themeElements>

--- a/nlp4j/resources/NLP4J.pptx
+++ b/nlp4j/resources/NLP4J.pptx
@@ -5,13 +5,14 @@
     <p:sldMasterId id="2147483648" r:id="rId1"/>
   </p:sldMasterIdLst>
   <p:sldIdLst>
-    <p:sldId id="264" r:id="rId2"/>
-    <p:sldId id="256" r:id="rId3"/>
-    <p:sldId id="257" r:id="rId4"/>
-    <p:sldId id="258" r:id="rId5"/>
-    <p:sldId id="259" r:id="rId6"/>
-    <p:sldId id="260" r:id="rId7"/>
-    <p:sldId id="261" r:id="rId8"/>
+    <p:sldId id="265" r:id="rId2"/>
+    <p:sldId id="264" r:id="rId3"/>
+    <p:sldId id="256" r:id="rId4"/>
+    <p:sldId id="257" r:id="rId5"/>
+    <p:sldId id="258" r:id="rId6"/>
+    <p:sldId id="259" r:id="rId7"/>
+    <p:sldId id="260" r:id="rId8"/>
+    <p:sldId id="261" r:id="rId9"/>
   </p:sldIdLst>
   <p:sldSz cx="12192000" cy="6858000"/>
   <p:notesSz cx="6858000" cy="9144000"/>
@@ -276,7 +277,7 @@
           <a:p>
             <a:fld id="{CD9668B1-38C5-49C5-8D48-D7F6A6F19079}" type="datetimeFigureOut">
               <a:rPr kumimoji="1" lang="ja-JP" altLang="en-US" smtClean="0"/>
-              <a:t>2020/5/16</a:t>
+              <a:t>2020/5/17</a:t>
             </a:fld>
             <a:endParaRPr kumimoji="1" lang="ja-JP" altLang="en-US"/>
           </a:p>
@@ -506,7 +507,7 @@
           <a:p>
             <a:fld id="{CD9668B1-38C5-49C5-8D48-D7F6A6F19079}" type="datetimeFigureOut">
               <a:rPr kumimoji="1" lang="ja-JP" altLang="en-US" smtClean="0"/>
-              <a:t>2020/5/16</a:t>
+              <a:t>2020/5/17</a:t>
             </a:fld>
             <a:endParaRPr kumimoji="1" lang="ja-JP" altLang="en-US"/>
           </a:p>
@@ -746,7 +747,7 @@
           <a:p>
             <a:fld id="{CD9668B1-38C5-49C5-8D48-D7F6A6F19079}" type="datetimeFigureOut">
               <a:rPr kumimoji="1" lang="ja-JP" altLang="en-US" smtClean="0"/>
-              <a:t>2020/5/16</a:t>
+              <a:t>2020/5/17</a:t>
             </a:fld>
             <a:endParaRPr kumimoji="1" lang="ja-JP" altLang="en-US"/>
           </a:p>
@@ -976,7 +977,7 @@
           <a:p>
             <a:fld id="{CD9668B1-38C5-49C5-8D48-D7F6A6F19079}" type="datetimeFigureOut">
               <a:rPr kumimoji="1" lang="ja-JP" altLang="en-US" smtClean="0"/>
-              <a:t>2020/5/16</a:t>
+              <a:t>2020/5/17</a:t>
             </a:fld>
             <a:endParaRPr kumimoji="1" lang="ja-JP" altLang="en-US"/>
           </a:p>
@@ -1251,7 +1252,7 @@
           <a:p>
             <a:fld id="{CD9668B1-38C5-49C5-8D48-D7F6A6F19079}" type="datetimeFigureOut">
               <a:rPr kumimoji="1" lang="ja-JP" altLang="en-US" smtClean="0"/>
-              <a:t>2020/5/16</a:t>
+              <a:t>2020/5/17</a:t>
             </a:fld>
             <a:endParaRPr kumimoji="1" lang="ja-JP" altLang="en-US"/>
           </a:p>
@@ -1580,7 +1581,7 @@
           <a:p>
             <a:fld id="{CD9668B1-38C5-49C5-8D48-D7F6A6F19079}" type="datetimeFigureOut">
               <a:rPr kumimoji="1" lang="ja-JP" altLang="en-US" smtClean="0"/>
-              <a:t>2020/5/16</a:t>
+              <a:t>2020/5/17</a:t>
             </a:fld>
             <a:endParaRPr kumimoji="1" lang="ja-JP" altLang="en-US"/>
           </a:p>
@@ -2056,7 +2057,7 @@
           <a:p>
             <a:fld id="{CD9668B1-38C5-49C5-8D48-D7F6A6F19079}" type="datetimeFigureOut">
               <a:rPr kumimoji="1" lang="ja-JP" altLang="en-US" smtClean="0"/>
-              <a:t>2020/5/16</a:t>
+              <a:t>2020/5/17</a:t>
             </a:fld>
             <a:endParaRPr kumimoji="1" lang="ja-JP" altLang="en-US"/>
           </a:p>
@@ -2197,7 +2198,7 @@
           <a:p>
             <a:fld id="{CD9668B1-38C5-49C5-8D48-D7F6A6F19079}" type="datetimeFigureOut">
               <a:rPr kumimoji="1" lang="ja-JP" altLang="en-US" smtClean="0"/>
-              <a:t>2020/5/16</a:t>
+              <a:t>2020/5/17</a:t>
             </a:fld>
             <a:endParaRPr kumimoji="1" lang="ja-JP" altLang="en-US"/>
           </a:p>
@@ -2310,7 +2311,7 @@
           <a:p>
             <a:fld id="{CD9668B1-38C5-49C5-8D48-D7F6A6F19079}" type="datetimeFigureOut">
               <a:rPr kumimoji="1" lang="ja-JP" altLang="en-US" smtClean="0"/>
-              <a:t>2020/5/16</a:t>
+              <a:t>2020/5/17</a:t>
             </a:fld>
             <a:endParaRPr kumimoji="1" lang="ja-JP" altLang="en-US"/>
           </a:p>
@@ -2653,7 +2654,7 @@
           <a:p>
             <a:fld id="{CD9668B1-38C5-49C5-8D48-D7F6A6F19079}" type="datetimeFigureOut">
               <a:rPr kumimoji="1" lang="ja-JP" altLang="en-US" smtClean="0"/>
-              <a:t>2020/5/16</a:t>
+              <a:t>2020/5/17</a:t>
             </a:fld>
             <a:endParaRPr kumimoji="1" lang="ja-JP" altLang="en-US"/>
           </a:p>
@@ -2941,7 +2942,7 @@
           <a:p>
             <a:fld id="{CD9668B1-38C5-49C5-8D48-D7F6A6F19079}" type="datetimeFigureOut">
               <a:rPr kumimoji="1" lang="ja-JP" altLang="en-US" smtClean="0"/>
-              <a:t>2020/5/16</a:t>
+              <a:t>2020/5/17</a:t>
             </a:fld>
             <a:endParaRPr kumimoji="1" lang="ja-JP" altLang="en-US"/>
           </a:p>
@@ -3214,7 +3215,7 @@
           <a:p>
             <a:fld id="{CD9668B1-38C5-49C5-8D48-D7F6A6F19079}" type="datetimeFigureOut">
               <a:rPr kumimoji="1" lang="ja-JP" altLang="en-US" smtClean="0"/>
-              <a:t>2020/5/16</a:t>
+              <a:t>2020/5/17</a:t>
             </a:fld>
             <a:endParaRPr kumimoji="1" lang="ja-JP" altLang="en-US"/>
           </a:p>
@@ -3631,6 +3632,857 @@
           <a:chExt cx="0" cy="0"/>
         </a:xfrm>
       </p:grpSpPr>
+      <p:sp>
+        <p:nvSpPr>
+          <p:cNvPr id="2" name="四角形: 角を丸くする 1">
+            <a:extLst>
+              <a:ext uri="{FF2B5EF4-FFF2-40B4-BE49-F238E27FC236}">
+                <a16:creationId xmlns:a16="http://schemas.microsoft.com/office/drawing/2014/main" id="{C806CB3B-EBC1-412E-9C17-8D10134D4859}"/>
+              </a:ext>
+            </a:extLst>
+          </p:cNvPr>
+          <p:cNvSpPr/>
+          <p:nvPr/>
+        </p:nvSpPr>
+        <p:spPr>
+          <a:xfrm>
+            <a:off x="1063412" y="3429000"/>
+            <a:ext cx="2194563" cy="697653"/>
+          </a:xfrm>
+          <a:prstGeom prst="roundRect">
+            <a:avLst/>
+          </a:prstGeom>
+        </p:spPr>
+        <p:style>
+          <a:lnRef idx="2">
+            <a:schemeClr val="accent1"/>
+          </a:lnRef>
+          <a:fillRef idx="1">
+            <a:schemeClr val="lt1"/>
+          </a:fillRef>
+          <a:effectRef idx="0">
+            <a:schemeClr val="accent1"/>
+          </a:effectRef>
+          <a:fontRef idx="minor">
+            <a:schemeClr val="dk1"/>
+          </a:fontRef>
+        </p:style>
+        <p:txBody>
+          <a:bodyPr lIns="36000" tIns="36000" rIns="36000" bIns="36000" rtlCol="0" anchor="ctr"/>
+          <a:lstStyle/>
+          <a:p>
+            <a:pPr algn="ctr"/>
+            <a:r>
+              <a:rPr kumimoji="1" lang="en-US" altLang="ja-JP" sz="1400" dirty="0">
+                <a:latin typeface="Consolas" panose="020B0609020204030204" pitchFamily="49" charset="0"/>
+              </a:rPr>
+              <a:t>Data</a:t>
+            </a:r>
+            <a:endParaRPr kumimoji="1" lang="ja-JP" altLang="en-US" sz="1400" dirty="0">
+              <a:latin typeface="Consolas" panose="020B0609020204030204" pitchFamily="49" charset="0"/>
+            </a:endParaRPr>
+          </a:p>
+        </p:txBody>
+      </p:sp>
+      <p:sp>
+        <p:nvSpPr>
+          <p:cNvPr id="4" name="四角形: 角を丸くする 3">
+            <a:extLst>
+              <a:ext uri="{FF2B5EF4-FFF2-40B4-BE49-F238E27FC236}">
+                <a16:creationId xmlns:a16="http://schemas.microsoft.com/office/drawing/2014/main" id="{855DC330-A4A3-4A2F-8AB2-0C87513D66BB}"/>
+              </a:ext>
+            </a:extLst>
+          </p:cNvPr>
+          <p:cNvSpPr/>
+          <p:nvPr/>
+        </p:nvSpPr>
+        <p:spPr>
+          <a:xfrm>
+            <a:off x="1794934" y="2731347"/>
+            <a:ext cx="731520" cy="697653"/>
+          </a:xfrm>
+          <a:prstGeom prst="roundRect">
+            <a:avLst/>
+          </a:prstGeom>
+        </p:spPr>
+        <p:style>
+          <a:lnRef idx="2">
+            <a:schemeClr val="accent1"/>
+          </a:lnRef>
+          <a:fillRef idx="1">
+            <a:schemeClr val="lt1"/>
+          </a:fillRef>
+          <a:effectRef idx="0">
+            <a:schemeClr val="accent1"/>
+          </a:effectRef>
+          <a:fontRef idx="minor">
+            <a:schemeClr val="dk1"/>
+          </a:fontRef>
+        </p:style>
+        <p:txBody>
+          <a:bodyPr lIns="36000" tIns="36000" rIns="36000" bIns="36000" rtlCol="0" anchor="ctr"/>
+          <a:lstStyle/>
+          <a:p>
+            <a:pPr algn="ctr"/>
+            <a:r>
+              <a:rPr kumimoji="1" lang="en-US" altLang="ja-JP" sz="1400" dirty="0">
+                <a:latin typeface="Consolas" panose="020B0609020204030204" pitchFamily="49" charset="0"/>
+              </a:rPr>
+              <a:t>JSON</a:t>
+            </a:r>
+            <a:endParaRPr kumimoji="1" lang="ja-JP" altLang="en-US" sz="1400" dirty="0">
+              <a:latin typeface="Consolas" panose="020B0609020204030204" pitchFamily="49" charset="0"/>
+            </a:endParaRPr>
+          </a:p>
+        </p:txBody>
+      </p:sp>
+      <p:sp>
+        <p:nvSpPr>
+          <p:cNvPr id="5" name="四角形: 角を丸くする 4">
+            <a:extLst>
+              <a:ext uri="{FF2B5EF4-FFF2-40B4-BE49-F238E27FC236}">
+                <a16:creationId xmlns:a16="http://schemas.microsoft.com/office/drawing/2014/main" id="{0C307F5B-0A2B-45BC-B537-E8CC80921A95}"/>
+              </a:ext>
+            </a:extLst>
+          </p:cNvPr>
+          <p:cNvSpPr/>
+          <p:nvPr/>
+        </p:nvSpPr>
+        <p:spPr>
+          <a:xfrm>
+            <a:off x="2526455" y="2731347"/>
+            <a:ext cx="731520" cy="697653"/>
+          </a:xfrm>
+          <a:prstGeom prst="roundRect">
+            <a:avLst/>
+          </a:prstGeom>
+        </p:spPr>
+        <p:style>
+          <a:lnRef idx="2">
+            <a:schemeClr val="accent1"/>
+          </a:lnRef>
+          <a:fillRef idx="1">
+            <a:schemeClr val="lt1"/>
+          </a:fillRef>
+          <a:effectRef idx="0">
+            <a:schemeClr val="accent1"/>
+          </a:effectRef>
+          <a:fontRef idx="minor">
+            <a:schemeClr val="dk1"/>
+          </a:fontRef>
+        </p:style>
+        <p:txBody>
+          <a:bodyPr lIns="36000" tIns="36000" rIns="36000" bIns="36000" rtlCol="0" anchor="ctr"/>
+          <a:lstStyle/>
+          <a:p>
+            <a:pPr algn="ctr"/>
+            <a:r>
+              <a:rPr kumimoji="1" lang="en-US" altLang="ja-JP" sz="1400" dirty="0">
+                <a:latin typeface="Consolas" panose="020B0609020204030204" pitchFamily="49" charset="0"/>
+              </a:rPr>
+              <a:t>XML</a:t>
+            </a:r>
+            <a:endParaRPr kumimoji="1" lang="ja-JP" altLang="en-US" sz="1400" dirty="0">
+              <a:latin typeface="Consolas" panose="020B0609020204030204" pitchFamily="49" charset="0"/>
+            </a:endParaRPr>
+          </a:p>
+        </p:txBody>
+      </p:sp>
+      <p:sp>
+        <p:nvSpPr>
+          <p:cNvPr id="6" name="四角形: 角を丸くする 5">
+            <a:extLst>
+              <a:ext uri="{FF2B5EF4-FFF2-40B4-BE49-F238E27FC236}">
+                <a16:creationId xmlns:a16="http://schemas.microsoft.com/office/drawing/2014/main" id="{B02D8077-AED7-48BB-80B2-1C5AB9DA528E}"/>
+              </a:ext>
+            </a:extLst>
+          </p:cNvPr>
+          <p:cNvSpPr/>
+          <p:nvPr/>
+        </p:nvSpPr>
+        <p:spPr>
+          <a:xfrm>
+            <a:off x="3644055" y="3429000"/>
+            <a:ext cx="1463042" cy="697653"/>
+          </a:xfrm>
+          <a:prstGeom prst="roundRect">
+            <a:avLst/>
+          </a:prstGeom>
+        </p:spPr>
+        <p:style>
+          <a:lnRef idx="2">
+            <a:schemeClr val="accent1"/>
+          </a:lnRef>
+          <a:fillRef idx="1">
+            <a:schemeClr val="lt1"/>
+          </a:fillRef>
+          <a:effectRef idx="0">
+            <a:schemeClr val="accent1"/>
+          </a:effectRef>
+          <a:fontRef idx="minor">
+            <a:schemeClr val="dk1"/>
+          </a:fontRef>
+        </p:style>
+        <p:txBody>
+          <a:bodyPr lIns="36000" tIns="36000" rIns="36000" bIns="36000" rtlCol="0" anchor="ctr"/>
+          <a:lstStyle/>
+          <a:p>
+            <a:pPr algn="ctr"/>
+            <a:r>
+              <a:rPr kumimoji="1" lang="en-US" altLang="ja-JP" sz="1400" dirty="0">
+                <a:latin typeface="Consolas" panose="020B0609020204030204" pitchFamily="49" charset="0"/>
+              </a:rPr>
+              <a:t>Data Crawler</a:t>
+            </a:r>
+            <a:endParaRPr kumimoji="1" lang="ja-JP" altLang="en-US" sz="1400" dirty="0">
+              <a:latin typeface="Consolas" panose="020B0609020204030204" pitchFamily="49" charset="0"/>
+            </a:endParaRPr>
+          </a:p>
+        </p:txBody>
+      </p:sp>
+      <p:sp>
+        <p:nvSpPr>
+          <p:cNvPr id="10" name="四角形: 角を丸くする 9">
+            <a:extLst>
+              <a:ext uri="{FF2B5EF4-FFF2-40B4-BE49-F238E27FC236}">
+                <a16:creationId xmlns:a16="http://schemas.microsoft.com/office/drawing/2014/main" id="{9A0C460D-2D8A-4C43-AF25-926BB772A916}"/>
+              </a:ext>
+            </a:extLst>
+          </p:cNvPr>
+          <p:cNvSpPr/>
+          <p:nvPr/>
+        </p:nvSpPr>
+        <p:spPr>
+          <a:xfrm>
+            <a:off x="3644054" y="1336042"/>
+            <a:ext cx="1463042" cy="384386"/>
+          </a:xfrm>
+          <a:prstGeom prst="roundRect">
+            <a:avLst/>
+          </a:prstGeom>
+        </p:spPr>
+        <p:style>
+          <a:lnRef idx="2">
+            <a:schemeClr val="accent1"/>
+          </a:lnRef>
+          <a:fillRef idx="1">
+            <a:schemeClr val="lt1"/>
+          </a:fillRef>
+          <a:effectRef idx="0">
+            <a:schemeClr val="accent1"/>
+          </a:effectRef>
+          <a:fontRef idx="minor">
+            <a:schemeClr val="dk1"/>
+          </a:fontRef>
+        </p:style>
+        <p:txBody>
+          <a:bodyPr lIns="36000" tIns="36000" rIns="36000" bIns="36000" rtlCol="0" anchor="ctr"/>
+          <a:lstStyle/>
+          <a:p>
+            <a:pPr algn="ctr"/>
+            <a:r>
+              <a:rPr lang="en-US" altLang="ja-JP" sz="1400" dirty="0">
+                <a:latin typeface="Consolas" panose="020B0609020204030204" pitchFamily="49" charset="0"/>
+              </a:rPr>
+              <a:t>Twitter</a:t>
+            </a:r>
+            <a:endParaRPr kumimoji="1" lang="ja-JP" altLang="en-US" sz="1400" dirty="0">
+              <a:latin typeface="Consolas" panose="020B0609020204030204" pitchFamily="49" charset="0"/>
+            </a:endParaRPr>
+          </a:p>
+        </p:txBody>
+      </p:sp>
+      <p:sp>
+        <p:nvSpPr>
+          <p:cNvPr id="11" name="四角形: 角を丸くする 10">
+            <a:extLst>
+              <a:ext uri="{FF2B5EF4-FFF2-40B4-BE49-F238E27FC236}">
+                <a16:creationId xmlns:a16="http://schemas.microsoft.com/office/drawing/2014/main" id="{C2D04B6B-EE3C-49C7-BCD7-B32772257754}"/>
+              </a:ext>
+            </a:extLst>
+          </p:cNvPr>
+          <p:cNvSpPr/>
+          <p:nvPr/>
+        </p:nvSpPr>
+        <p:spPr>
+          <a:xfrm>
+            <a:off x="5418668" y="3429000"/>
+            <a:ext cx="4379308" cy="697653"/>
+          </a:xfrm>
+          <a:prstGeom prst="roundRect">
+            <a:avLst/>
+          </a:prstGeom>
+        </p:spPr>
+        <p:style>
+          <a:lnRef idx="2">
+            <a:schemeClr val="accent1"/>
+          </a:lnRef>
+          <a:fillRef idx="1">
+            <a:schemeClr val="lt1"/>
+          </a:fillRef>
+          <a:effectRef idx="0">
+            <a:schemeClr val="accent1"/>
+          </a:effectRef>
+          <a:fontRef idx="minor">
+            <a:schemeClr val="dk1"/>
+          </a:fontRef>
+        </p:style>
+        <p:txBody>
+          <a:bodyPr lIns="36000" tIns="36000" rIns="36000" bIns="36000" rtlCol="0" anchor="ctr"/>
+          <a:lstStyle/>
+          <a:p>
+            <a:pPr algn="ctr"/>
+            <a:r>
+              <a:rPr kumimoji="1" lang="en-US" altLang="ja-JP" sz="1400" dirty="0">
+                <a:latin typeface="Consolas" panose="020B0609020204030204" pitchFamily="49" charset="0"/>
+              </a:rPr>
+              <a:t>Keyword Annotator</a:t>
+            </a:r>
+            <a:endParaRPr kumimoji="1" lang="ja-JP" altLang="en-US" sz="1400" dirty="0">
+              <a:latin typeface="Consolas" panose="020B0609020204030204" pitchFamily="49" charset="0"/>
+            </a:endParaRPr>
+          </a:p>
+        </p:txBody>
+      </p:sp>
+      <p:sp>
+        <p:nvSpPr>
+          <p:cNvPr id="13" name="四角形: 角を丸くする 12">
+            <a:extLst>
+              <a:ext uri="{FF2B5EF4-FFF2-40B4-BE49-F238E27FC236}">
+                <a16:creationId xmlns:a16="http://schemas.microsoft.com/office/drawing/2014/main" id="{661B93EF-E839-46BC-8D7D-20ADBEBF73C1}"/>
+              </a:ext>
+            </a:extLst>
+          </p:cNvPr>
+          <p:cNvSpPr/>
+          <p:nvPr/>
+        </p:nvSpPr>
+        <p:spPr>
+          <a:xfrm>
+            <a:off x="5418667" y="1346202"/>
+            <a:ext cx="1463040" cy="697653"/>
+          </a:xfrm>
+          <a:prstGeom prst="roundRect">
+            <a:avLst/>
+          </a:prstGeom>
+        </p:spPr>
+        <p:style>
+          <a:lnRef idx="2">
+            <a:schemeClr val="accent1"/>
+          </a:lnRef>
+          <a:fillRef idx="1">
+            <a:schemeClr val="lt1"/>
+          </a:fillRef>
+          <a:effectRef idx="0">
+            <a:schemeClr val="accent1"/>
+          </a:effectRef>
+          <a:fontRef idx="minor">
+            <a:schemeClr val="dk1"/>
+          </a:fontRef>
+        </p:style>
+        <p:txBody>
+          <a:bodyPr lIns="36000" tIns="36000" rIns="36000" bIns="36000" rtlCol="0" anchor="ctr"/>
+          <a:lstStyle/>
+          <a:p>
+            <a:pPr algn="ctr"/>
+            <a:r>
+              <a:rPr lang="en-US" altLang="ja-JP" sz="1400" dirty="0">
+                <a:latin typeface="Consolas" panose="020B0609020204030204" pitchFamily="49" charset="0"/>
+              </a:rPr>
+              <a:t>Yahoo!</a:t>
+            </a:r>
+          </a:p>
+          <a:p>
+            <a:pPr algn="ctr"/>
+            <a:r>
+              <a:rPr lang="en-US" altLang="ja-JP" sz="1400" dirty="0">
+                <a:latin typeface="Consolas" panose="020B0609020204030204" pitchFamily="49" charset="0"/>
+              </a:rPr>
+              <a:t>Japan</a:t>
+            </a:r>
+          </a:p>
+          <a:p>
+            <a:pPr algn="ctr"/>
+            <a:r>
+              <a:rPr kumimoji="1" lang="en-US" altLang="ja-JP" sz="1400" dirty="0">
+                <a:latin typeface="Consolas" panose="020B0609020204030204" pitchFamily="49" charset="0"/>
+              </a:rPr>
+              <a:t>NLP</a:t>
+            </a:r>
+            <a:endParaRPr kumimoji="1" lang="ja-JP" altLang="en-US" sz="1400" dirty="0">
+              <a:latin typeface="Consolas" panose="020B0609020204030204" pitchFamily="49" charset="0"/>
+            </a:endParaRPr>
+          </a:p>
+        </p:txBody>
+      </p:sp>
+      <p:sp>
+        <p:nvSpPr>
+          <p:cNvPr id="14" name="四角形: 角を丸くする 13">
+            <a:extLst>
+              <a:ext uri="{FF2B5EF4-FFF2-40B4-BE49-F238E27FC236}">
+                <a16:creationId xmlns:a16="http://schemas.microsoft.com/office/drawing/2014/main" id="{3941774B-8FE7-44FC-817B-230ECA1124B8}"/>
+              </a:ext>
+            </a:extLst>
+          </p:cNvPr>
+          <p:cNvSpPr/>
+          <p:nvPr/>
+        </p:nvSpPr>
+        <p:spPr>
+          <a:xfrm>
+            <a:off x="6881707" y="1346202"/>
+            <a:ext cx="1463040" cy="697653"/>
+          </a:xfrm>
+          <a:prstGeom prst="roundRect">
+            <a:avLst/>
+          </a:prstGeom>
+        </p:spPr>
+        <p:style>
+          <a:lnRef idx="2">
+            <a:schemeClr val="accent1"/>
+          </a:lnRef>
+          <a:fillRef idx="1">
+            <a:schemeClr val="lt1"/>
+          </a:fillRef>
+          <a:effectRef idx="0">
+            <a:schemeClr val="accent1"/>
+          </a:effectRef>
+          <a:fontRef idx="minor">
+            <a:schemeClr val="dk1"/>
+          </a:fontRef>
+        </p:style>
+        <p:txBody>
+          <a:bodyPr lIns="36000" tIns="36000" rIns="36000" bIns="36000" rtlCol="0" anchor="ctr"/>
+          <a:lstStyle/>
+          <a:p>
+            <a:pPr algn="ctr"/>
+            <a:r>
+              <a:rPr lang="en-US" altLang="ja-JP" sz="1400" dirty="0">
+                <a:latin typeface="Consolas" panose="020B0609020204030204" pitchFamily="49" charset="0"/>
+              </a:rPr>
+              <a:t>NTT Com</a:t>
+            </a:r>
+            <a:br>
+              <a:rPr lang="en-US" altLang="ja-JP" sz="1400" dirty="0">
+                <a:latin typeface="Consolas" panose="020B0609020204030204" pitchFamily="49" charset="0"/>
+              </a:rPr>
+            </a:br>
+            <a:r>
+              <a:rPr lang="en-US" altLang="ja-JP" sz="1400" dirty="0">
+                <a:latin typeface="Consolas" panose="020B0609020204030204" pitchFamily="49" charset="0"/>
+              </a:rPr>
+              <a:t>COTOHA</a:t>
+            </a:r>
+            <a:br>
+              <a:rPr lang="en-US" altLang="ja-JP" sz="1400" dirty="0">
+                <a:latin typeface="Consolas" panose="020B0609020204030204" pitchFamily="49" charset="0"/>
+              </a:rPr>
+            </a:br>
+            <a:r>
+              <a:rPr lang="en-US" altLang="ja-JP" sz="1400" dirty="0">
+                <a:latin typeface="Consolas" panose="020B0609020204030204" pitchFamily="49" charset="0"/>
+              </a:rPr>
+              <a:t>API</a:t>
+            </a:r>
+            <a:endParaRPr kumimoji="1" lang="ja-JP" altLang="en-US" sz="1400" dirty="0">
+              <a:latin typeface="Consolas" panose="020B0609020204030204" pitchFamily="49" charset="0"/>
+            </a:endParaRPr>
+          </a:p>
+        </p:txBody>
+      </p:sp>
+      <p:sp>
+        <p:nvSpPr>
+          <p:cNvPr id="15" name="四角形: 角を丸くする 14">
+            <a:extLst>
+              <a:ext uri="{FF2B5EF4-FFF2-40B4-BE49-F238E27FC236}">
+                <a16:creationId xmlns:a16="http://schemas.microsoft.com/office/drawing/2014/main" id="{E15D6405-E723-4B02-B8EF-E04F94C44A67}"/>
+              </a:ext>
+            </a:extLst>
+          </p:cNvPr>
+          <p:cNvSpPr/>
+          <p:nvPr/>
+        </p:nvSpPr>
+        <p:spPr>
+          <a:xfrm>
+            <a:off x="1063413" y="2731347"/>
+            <a:ext cx="731520" cy="697653"/>
+          </a:xfrm>
+          <a:prstGeom prst="roundRect">
+            <a:avLst/>
+          </a:prstGeom>
+        </p:spPr>
+        <p:style>
+          <a:lnRef idx="2">
+            <a:schemeClr val="accent1"/>
+          </a:lnRef>
+          <a:fillRef idx="1">
+            <a:schemeClr val="lt1"/>
+          </a:fillRef>
+          <a:effectRef idx="0">
+            <a:schemeClr val="accent1"/>
+          </a:effectRef>
+          <a:fontRef idx="minor">
+            <a:schemeClr val="dk1"/>
+          </a:fontRef>
+        </p:style>
+        <p:txBody>
+          <a:bodyPr lIns="36000" tIns="36000" rIns="36000" bIns="36000" rtlCol="0" anchor="ctr"/>
+          <a:lstStyle/>
+          <a:p>
+            <a:pPr algn="ctr"/>
+            <a:r>
+              <a:rPr kumimoji="1" lang="en-US" altLang="ja-JP" sz="1200" dirty="0">
+                <a:latin typeface="Consolas" panose="020B0609020204030204" pitchFamily="49" charset="0"/>
+              </a:rPr>
+              <a:t>Java</a:t>
+            </a:r>
+            <a:br>
+              <a:rPr kumimoji="1" lang="en-US" altLang="ja-JP" sz="1200" dirty="0">
+                <a:latin typeface="Consolas" panose="020B0609020204030204" pitchFamily="49" charset="0"/>
+              </a:rPr>
+            </a:br>
+            <a:r>
+              <a:rPr kumimoji="1" lang="en-US" altLang="ja-JP" sz="1050" dirty="0">
+                <a:latin typeface="Consolas" panose="020B0609020204030204" pitchFamily="49" charset="0"/>
+              </a:rPr>
+              <a:t>Document</a:t>
+            </a:r>
+            <a:endParaRPr kumimoji="1" lang="en-US" altLang="ja-JP" sz="1200" dirty="0">
+              <a:latin typeface="Consolas" panose="020B0609020204030204" pitchFamily="49" charset="0"/>
+            </a:endParaRPr>
+          </a:p>
+          <a:p>
+            <a:pPr algn="ctr"/>
+            <a:r>
+              <a:rPr lang="en-US" altLang="ja-JP" sz="1200" dirty="0">
+                <a:latin typeface="Consolas" panose="020B0609020204030204" pitchFamily="49" charset="0"/>
+              </a:rPr>
+              <a:t>Class</a:t>
+            </a:r>
+            <a:endParaRPr kumimoji="1" lang="ja-JP" altLang="en-US" sz="1200" dirty="0">
+              <a:latin typeface="Consolas" panose="020B0609020204030204" pitchFamily="49" charset="0"/>
+            </a:endParaRPr>
+          </a:p>
+        </p:txBody>
+      </p:sp>
+      <p:sp>
+        <p:nvSpPr>
+          <p:cNvPr id="16" name="四角形: 角を丸くする 15">
+            <a:extLst>
+              <a:ext uri="{FF2B5EF4-FFF2-40B4-BE49-F238E27FC236}">
+                <a16:creationId xmlns:a16="http://schemas.microsoft.com/office/drawing/2014/main" id="{739E7C59-D191-497D-B955-A5EA04858397}"/>
+              </a:ext>
+            </a:extLst>
+          </p:cNvPr>
+          <p:cNvSpPr/>
+          <p:nvPr/>
+        </p:nvSpPr>
+        <p:spPr>
+          <a:xfrm>
+            <a:off x="3644054" y="1720428"/>
+            <a:ext cx="1463042" cy="323427"/>
+          </a:xfrm>
+          <a:prstGeom prst="roundRect">
+            <a:avLst/>
+          </a:prstGeom>
+        </p:spPr>
+        <p:style>
+          <a:lnRef idx="2">
+            <a:schemeClr val="accent1"/>
+          </a:lnRef>
+          <a:fillRef idx="1">
+            <a:schemeClr val="lt1"/>
+          </a:fillRef>
+          <a:effectRef idx="0">
+            <a:schemeClr val="accent1"/>
+          </a:effectRef>
+          <a:fontRef idx="minor">
+            <a:schemeClr val="dk1"/>
+          </a:fontRef>
+        </p:style>
+        <p:txBody>
+          <a:bodyPr lIns="36000" tIns="36000" rIns="36000" bIns="36000" rtlCol="0" anchor="ctr"/>
+          <a:lstStyle/>
+          <a:p>
+            <a:pPr algn="ctr"/>
+            <a:r>
+              <a:rPr lang="en-US" altLang="ja-JP" sz="1400" dirty="0">
+                <a:latin typeface="Consolas" panose="020B0609020204030204" pitchFamily="49" charset="0"/>
+              </a:rPr>
+              <a:t>Twitter4j</a:t>
+            </a:r>
+            <a:endParaRPr kumimoji="1" lang="ja-JP" altLang="en-US" sz="1400" dirty="0">
+              <a:latin typeface="Consolas" panose="020B0609020204030204" pitchFamily="49" charset="0"/>
+            </a:endParaRPr>
+          </a:p>
+        </p:txBody>
+      </p:sp>
+      <p:sp>
+        <p:nvSpPr>
+          <p:cNvPr id="17" name="正方形/長方形 16">
+            <a:extLst>
+              <a:ext uri="{FF2B5EF4-FFF2-40B4-BE49-F238E27FC236}">
+                <a16:creationId xmlns:a16="http://schemas.microsoft.com/office/drawing/2014/main" id="{76493E9B-E20B-4160-A4D9-062E6E4E69D5}"/>
+              </a:ext>
+            </a:extLst>
+          </p:cNvPr>
+          <p:cNvSpPr/>
+          <p:nvPr/>
+        </p:nvSpPr>
+        <p:spPr>
+          <a:xfrm>
+            <a:off x="6951134" y="5915345"/>
+            <a:ext cx="4230645" cy="369332"/>
+          </a:xfrm>
+          <a:prstGeom prst="rect">
+            <a:avLst/>
+          </a:prstGeom>
+        </p:spPr>
+        <p:txBody>
+          <a:bodyPr wrap="none">
+            <a:spAutoFit/>
+          </a:bodyPr>
+          <a:lstStyle/>
+          <a:p>
+            <a:r>
+              <a:rPr lang="en-US" altLang="ja-JP" dirty="0">
+                <a:hlinkClick r:id="rId2"/>
+              </a:rPr>
+              <a:t>https://www.atilika.com/ja/kuromoji/</a:t>
+            </a:r>
+            <a:endParaRPr lang="ja-JP" altLang="en-US" dirty="0"/>
+          </a:p>
+        </p:txBody>
+      </p:sp>
+      <p:sp>
+        <p:nvSpPr>
+          <p:cNvPr id="18" name="正方形/長方形 17">
+            <a:extLst>
+              <a:ext uri="{FF2B5EF4-FFF2-40B4-BE49-F238E27FC236}">
+                <a16:creationId xmlns:a16="http://schemas.microsoft.com/office/drawing/2014/main" id="{B926E9D7-4638-4B57-A79C-F62A258584D5}"/>
+              </a:ext>
+            </a:extLst>
+          </p:cNvPr>
+          <p:cNvSpPr/>
+          <p:nvPr/>
+        </p:nvSpPr>
+        <p:spPr>
+          <a:xfrm>
+            <a:off x="6951134" y="5546013"/>
+            <a:ext cx="4693914" cy="369332"/>
+          </a:xfrm>
+          <a:prstGeom prst="rect">
+            <a:avLst/>
+          </a:prstGeom>
+        </p:spPr>
+        <p:txBody>
+          <a:bodyPr wrap="none">
+            <a:spAutoFit/>
+          </a:bodyPr>
+          <a:lstStyle/>
+          <a:p>
+            <a:r>
+              <a:rPr lang="en-US" altLang="ja-JP" dirty="0">
+                <a:hlinkClick r:id="rId3"/>
+              </a:rPr>
+              <a:t>https://developer.yahoo.co.jp/webapi/jlp/</a:t>
+            </a:r>
+            <a:endParaRPr lang="ja-JP" altLang="en-US" dirty="0"/>
+          </a:p>
+        </p:txBody>
+      </p:sp>
+      <p:sp>
+        <p:nvSpPr>
+          <p:cNvPr id="19" name="正方形/長方形 18">
+            <a:extLst>
+              <a:ext uri="{FF2B5EF4-FFF2-40B4-BE49-F238E27FC236}">
+                <a16:creationId xmlns:a16="http://schemas.microsoft.com/office/drawing/2014/main" id="{5C30E5EB-3157-4889-AF37-77447D788E3F}"/>
+              </a:ext>
+            </a:extLst>
+          </p:cNvPr>
+          <p:cNvSpPr/>
+          <p:nvPr/>
+        </p:nvSpPr>
+        <p:spPr>
+          <a:xfrm>
+            <a:off x="5549048" y="4865467"/>
+            <a:ext cx="6096000" cy="646331"/>
+          </a:xfrm>
+          <a:prstGeom prst="rect">
+            <a:avLst/>
+          </a:prstGeom>
+        </p:spPr>
+        <p:txBody>
+          <a:bodyPr>
+            <a:spAutoFit/>
+          </a:bodyPr>
+          <a:lstStyle/>
+          <a:p>
+            <a:r>
+              <a:rPr lang="en-US" altLang="ja-JP" dirty="0">
+                <a:hlinkClick r:id="rId4"/>
+              </a:rPr>
+              <a:t>https://www.ntt.com/business/services/application/ai/cotoha-nlp.html</a:t>
+            </a:r>
+            <a:endParaRPr lang="ja-JP" altLang="en-US" dirty="0"/>
+          </a:p>
+        </p:txBody>
+      </p:sp>
+      <p:sp>
+        <p:nvSpPr>
+          <p:cNvPr id="20" name="四角形: 角を丸くする 19">
+            <a:extLst>
+              <a:ext uri="{FF2B5EF4-FFF2-40B4-BE49-F238E27FC236}">
+                <a16:creationId xmlns:a16="http://schemas.microsoft.com/office/drawing/2014/main" id="{4CAE8595-53A9-45C0-B658-4F869BB46BFF}"/>
+              </a:ext>
+            </a:extLst>
+          </p:cNvPr>
+          <p:cNvSpPr/>
+          <p:nvPr/>
+        </p:nvSpPr>
+        <p:spPr>
+          <a:xfrm>
+            <a:off x="5418665" y="2089573"/>
+            <a:ext cx="4379312" cy="323427"/>
+          </a:xfrm>
+          <a:prstGeom prst="roundRect">
+            <a:avLst/>
+          </a:prstGeom>
+        </p:spPr>
+        <p:style>
+          <a:lnRef idx="2">
+            <a:schemeClr val="accent1"/>
+          </a:lnRef>
+          <a:fillRef idx="1">
+            <a:schemeClr val="lt1"/>
+          </a:fillRef>
+          <a:effectRef idx="0">
+            <a:schemeClr val="accent1"/>
+          </a:effectRef>
+          <a:fontRef idx="minor">
+            <a:schemeClr val="dk1"/>
+          </a:fontRef>
+        </p:style>
+        <p:txBody>
+          <a:bodyPr lIns="36000" tIns="36000" rIns="36000" bIns="36000" rtlCol="0" anchor="ctr"/>
+          <a:lstStyle/>
+          <a:p>
+            <a:pPr algn="ctr"/>
+            <a:r>
+              <a:rPr lang="ja-JP" altLang="en-US" sz="1400" dirty="0">
+                <a:latin typeface="Consolas" panose="020B0609020204030204" pitchFamily="49" charset="0"/>
+              </a:rPr>
+              <a:t>構文解析 </a:t>
+            </a:r>
+            <a:r>
+              <a:rPr lang="en-US" altLang="ja-JP" sz="1400" dirty="0">
+                <a:latin typeface="Consolas" panose="020B0609020204030204" pitchFamily="49" charset="0"/>
+              </a:rPr>
+              <a:t>/ </a:t>
+            </a:r>
+            <a:r>
+              <a:rPr lang="ja-JP" altLang="en-US" sz="1400" dirty="0">
+                <a:latin typeface="Consolas" panose="020B0609020204030204" pitchFamily="49" charset="0"/>
+              </a:rPr>
+              <a:t>形態素解析</a:t>
+            </a:r>
+            <a:endParaRPr kumimoji="1" lang="ja-JP" altLang="en-US" sz="1400" dirty="0">
+              <a:latin typeface="Consolas" panose="020B0609020204030204" pitchFamily="49" charset="0"/>
+            </a:endParaRPr>
+          </a:p>
+        </p:txBody>
+      </p:sp>
+      <p:sp>
+        <p:nvSpPr>
+          <p:cNvPr id="21" name="四角形: 角を丸くする 20">
+            <a:extLst>
+              <a:ext uri="{FF2B5EF4-FFF2-40B4-BE49-F238E27FC236}">
+                <a16:creationId xmlns:a16="http://schemas.microsoft.com/office/drawing/2014/main" id="{9B8A4469-3CF3-4FA0-9769-8E8B49D8D305}"/>
+              </a:ext>
+            </a:extLst>
+          </p:cNvPr>
+          <p:cNvSpPr/>
+          <p:nvPr/>
+        </p:nvSpPr>
+        <p:spPr>
+          <a:xfrm>
+            <a:off x="8334936" y="1346202"/>
+            <a:ext cx="1463040" cy="697653"/>
+          </a:xfrm>
+          <a:prstGeom prst="roundRect">
+            <a:avLst/>
+          </a:prstGeom>
+        </p:spPr>
+        <p:style>
+          <a:lnRef idx="2">
+            <a:schemeClr val="accent1"/>
+          </a:lnRef>
+          <a:fillRef idx="1">
+            <a:schemeClr val="lt1"/>
+          </a:fillRef>
+          <a:effectRef idx="0">
+            <a:schemeClr val="accent1"/>
+          </a:effectRef>
+          <a:fontRef idx="minor">
+            <a:schemeClr val="dk1"/>
+          </a:fontRef>
+        </p:style>
+        <p:txBody>
+          <a:bodyPr lIns="36000" tIns="36000" rIns="36000" bIns="36000" rtlCol="0" anchor="ctr"/>
+          <a:lstStyle/>
+          <a:p>
+            <a:pPr algn="ctr"/>
+            <a:r>
+              <a:rPr lang="en-US" altLang="ja-JP" sz="1400" dirty="0" err="1">
+                <a:latin typeface="Consolas" panose="020B0609020204030204" pitchFamily="49" charset="0"/>
+              </a:rPr>
+              <a:t>Kuromoji</a:t>
+            </a:r>
+            <a:br>
+              <a:rPr lang="en-US" altLang="ja-JP" sz="1400" dirty="0">
+                <a:latin typeface="Consolas" panose="020B0609020204030204" pitchFamily="49" charset="0"/>
+              </a:rPr>
+            </a:br>
+            <a:r>
+              <a:rPr lang="en-US" altLang="ja-JP" sz="1400" dirty="0">
+                <a:latin typeface="Consolas" panose="020B0609020204030204" pitchFamily="49" charset="0"/>
+              </a:rPr>
+              <a:t>NLP Engine</a:t>
+            </a:r>
+            <a:endParaRPr kumimoji="1" lang="ja-JP" altLang="en-US" sz="1400" dirty="0">
+              <a:latin typeface="Consolas" panose="020B0609020204030204" pitchFamily="49" charset="0"/>
+            </a:endParaRPr>
+          </a:p>
+        </p:txBody>
+      </p:sp>
+    </p:spTree>
+    <p:extLst>
+      <p:ext uri="{BB962C8B-B14F-4D97-AF65-F5344CB8AC3E}">
+        <p14:creationId xmlns:p14="http://schemas.microsoft.com/office/powerpoint/2010/main" val="2631363000"/>
+      </p:ext>
+    </p:extLst>
+  </p:cSld>
+  <p:clrMapOvr>
+    <a:masterClrMapping/>
+  </p:clrMapOvr>
+</p:sld>
+</file>
+
+<file path=ppt/slides/slide2.xml><?xml version="1.0" encoding="utf-8"?>
+<p:sld xmlns:a="http://schemas.openxmlformats.org/drawingml/2006/main" xmlns:r="http://schemas.openxmlformats.org/officeDocument/2006/relationships" xmlns:p="http://schemas.openxmlformats.org/presentationml/2006/main">
+  <p:cSld>
+    <p:spTree>
+      <p:nvGrpSpPr>
+        <p:cNvPr id="1" name=""/>
+        <p:cNvGrpSpPr/>
+        <p:nvPr/>
+      </p:nvGrpSpPr>
+      <p:grpSpPr>
+        <a:xfrm>
+          <a:off x="0" y="0"/>
+          <a:ext cx="0" cy="0"/>
+          <a:chOff x="0" y="0"/>
+          <a:chExt cx="0" cy="0"/>
+        </a:xfrm>
+      </p:grpSpPr>
       <p:pic>
         <p:nvPicPr>
           <p:cNvPr id="3" name="図 2" descr="挿絵 が含まれている画像&#10;&#10;自動的に生成された説明">
@@ -3680,7 +4532,7 @@
 </p:sld>
 </file>
 
-<file path=ppt/slides/slide2.xml><?xml version="1.0" encoding="utf-8"?>
+<file path=ppt/slides/slide3.xml><?xml version="1.0" encoding="utf-8"?>
 <p:sld xmlns:a="http://schemas.openxmlformats.org/drawingml/2006/main" xmlns:r="http://schemas.openxmlformats.org/officeDocument/2006/relationships" xmlns:p="http://schemas.openxmlformats.org/presentationml/2006/main">
   <p:cSld>
     <p:spTree>
@@ -4295,7 +5147,7 @@
 </p:sld>
 </file>
 
-<file path=ppt/slides/slide3.xml><?xml version="1.0" encoding="utf-8"?>
+<file path=ppt/slides/slide4.xml><?xml version="1.0" encoding="utf-8"?>
 <p:sld xmlns:a="http://schemas.openxmlformats.org/drawingml/2006/main" xmlns:r="http://schemas.openxmlformats.org/officeDocument/2006/relationships" xmlns:p="http://schemas.openxmlformats.org/presentationml/2006/main">
   <p:cSld>
     <p:spTree>
@@ -4398,7 +5250,7 @@
 </p:sld>
 </file>
 
-<file path=ppt/slides/slide4.xml><?xml version="1.0" encoding="utf-8"?>
+<file path=ppt/slides/slide5.xml><?xml version="1.0" encoding="utf-8"?>
 <p:sld xmlns:a="http://schemas.openxmlformats.org/drawingml/2006/main" xmlns:r="http://schemas.openxmlformats.org/officeDocument/2006/relationships" xmlns:p="http://schemas.openxmlformats.org/presentationml/2006/main">
   <p:cSld>
     <p:spTree>
@@ -4518,7 +5370,7 @@
 </p:sld>
 </file>
 
-<file path=ppt/slides/slide5.xml><?xml version="1.0" encoding="utf-8"?>
+<file path=ppt/slides/slide6.xml><?xml version="1.0" encoding="utf-8"?>
 <p:sld xmlns:a="http://schemas.openxmlformats.org/drawingml/2006/main" xmlns:r="http://schemas.openxmlformats.org/officeDocument/2006/relationships" xmlns:p="http://schemas.openxmlformats.org/presentationml/2006/main">
   <p:cSld>
     <p:spTree>
@@ -4638,7 +5490,7 @@
 </p:sld>
 </file>
 
-<file path=ppt/slides/slide6.xml><?xml version="1.0" encoding="utf-8"?>
+<file path=ppt/slides/slide7.xml><?xml version="1.0" encoding="utf-8"?>
 <p:sld xmlns:a="http://schemas.openxmlformats.org/drawingml/2006/main" xmlns:r="http://schemas.openxmlformats.org/officeDocument/2006/relationships" xmlns:p="http://schemas.openxmlformats.org/presentationml/2006/main">
   <p:cSld>
     <p:spTree>
@@ -4765,7 +5617,7 @@
 </p:sld>
 </file>
 
-<file path=ppt/slides/slide7.xml><?xml version="1.0" encoding="utf-8"?>
+<file path=ppt/slides/slide8.xml><?xml version="1.0" encoding="utf-8"?>
 <p:sld xmlns:a="http://schemas.openxmlformats.org/drawingml/2006/main" xmlns:r="http://schemas.openxmlformats.org/officeDocument/2006/relationships" xmlns:p="http://schemas.openxmlformats.org/presentationml/2006/main">
   <p:cSld>
     <p:spTree>
